--- a/spring13/slides13/simple-coloring.pptx
+++ b/spring13/slides13/simple-coloring.pptx
@@ -2816,13 +2816,13 @@
   <p:clrMapOvr>
     <a:masterClrMapping/>
   </p:clrMapOvr>
-  <mc:AlternateContent xmlns:mc="http://schemas.openxmlformats.org/markup-compatibility/2006">
-    <mc:Choice xmlns:p14="http://schemas.microsoft.com/office/powerpoint/2010/main" Requires="p14">
+  <mc:AlternateContent xmlns:mc="http://schemas.openxmlformats.org/markup-compatibility/2006" xmlns:p14="http://schemas.microsoft.com/office/powerpoint/2010/main">
+    <mc:Choice Requires="p14">
       <p:transition spd="slow" p14:dur="900" advClick="0">
         <p:fade/>
       </p:transition>
     </mc:Choice>
-    <mc:Fallback>
+    <mc:Fallback xmlns="">
       <p:transition xmlns:p14="http://schemas.microsoft.com/office/powerpoint/2010/main" spd="slow" advClick="0">
         <p:fade/>
       </p:transition>
@@ -2974,13 +2974,13 @@
   <p:clrMapOvr>
     <a:masterClrMapping/>
   </p:clrMapOvr>
-  <mc:AlternateContent xmlns:mc="http://schemas.openxmlformats.org/markup-compatibility/2006">
-    <mc:Choice xmlns:p14="http://schemas.microsoft.com/office/powerpoint/2010/main" Requires="p14">
+  <mc:AlternateContent xmlns:mc="http://schemas.openxmlformats.org/markup-compatibility/2006" xmlns:p14="http://schemas.microsoft.com/office/powerpoint/2010/main">
+    <mc:Choice Requires="p14">
       <p:transition spd="slow" p14:dur="900" advClick="0">
         <p:fade/>
       </p:transition>
     </mc:Choice>
-    <mc:Fallback>
+    <mc:Fallback xmlns="">
       <p:transition xmlns:p14="http://schemas.microsoft.com/office/powerpoint/2010/main" spd="slow" advClick="0">
         <p:fade/>
       </p:transition>
@@ -3080,13 +3080,13 @@
   <p:clrMapOvr>
     <a:masterClrMapping/>
   </p:clrMapOvr>
-  <mc:AlternateContent xmlns:mc="http://schemas.openxmlformats.org/markup-compatibility/2006">
-    <mc:Choice xmlns:p14="http://schemas.microsoft.com/office/powerpoint/2010/main" Requires="p14">
+  <mc:AlternateContent xmlns:mc="http://schemas.openxmlformats.org/markup-compatibility/2006" xmlns:p14="http://schemas.microsoft.com/office/powerpoint/2010/main">
+    <mc:Choice Requires="p14">
       <p:transition spd="slow" p14:dur="900" advClick="0">
         <p:fade/>
       </p:transition>
     </mc:Choice>
-    <mc:Fallback>
+    <mc:Fallback xmlns="">
       <p:transition xmlns:p14="http://schemas.microsoft.com/office/powerpoint/2010/main" spd="slow" advClick="0">
         <p:fade/>
       </p:transition>
@@ -3163,13 +3163,13 @@
   <p:clrMapOvr>
     <a:masterClrMapping/>
   </p:clrMapOvr>
-  <mc:AlternateContent xmlns:mc="http://schemas.openxmlformats.org/markup-compatibility/2006">
-    <mc:Choice xmlns:p14="http://schemas.microsoft.com/office/powerpoint/2010/main" Requires="p14">
+  <mc:AlternateContent xmlns:mc="http://schemas.openxmlformats.org/markup-compatibility/2006" xmlns:p14="http://schemas.microsoft.com/office/powerpoint/2010/main">
+    <mc:Choice Requires="p14">
       <p:transition spd="slow" p14:dur="900" advClick="0">
         <p:fade/>
       </p:transition>
     </mc:Choice>
-    <mc:Fallback>
+    <mc:Fallback xmlns="">
       <p:transition xmlns:p14="http://schemas.microsoft.com/office/powerpoint/2010/main" spd="slow" advClick="0">
         <p:fade/>
       </p:transition>
@@ -3379,13 +3379,13 @@
   <p:clrMapOvr>
     <a:masterClrMapping/>
   </p:clrMapOvr>
-  <mc:AlternateContent xmlns:mc="http://schemas.openxmlformats.org/markup-compatibility/2006">
-    <mc:Choice xmlns:p14="http://schemas.microsoft.com/office/powerpoint/2010/main" Requires="p14">
+  <mc:AlternateContent xmlns:mc="http://schemas.openxmlformats.org/markup-compatibility/2006" xmlns:p14="http://schemas.microsoft.com/office/powerpoint/2010/main">
+    <mc:Choice Requires="p14">
       <p:transition spd="slow" p14:dur="900" advClick="0">
         <p:fade/>
       </p:transition>
     </mc:Choice>
-    <mc:Fallback>
+    <mc:Fallback xmlns="">
       <p:transition xmlns:p14="http://schemas.microsoft.com/office/powerpoint/2010/main" spd="slow" advClick="0">
         <p:fade/>
       </p:transition>
@@ -3612,13 +3612,13 @@
   <p:clrMapOvr>
     <a:masterClrMapping/>
   </p:clrMapOvr>
-  <mc:AlternateContent xmlns:mc="http://schemas.openxmlformats.org/markup-compatibility/2006">
-    <mc:Choice xmlns:p14="http://schemas.microsoft.com/office/powerpoint/2010/main" Requires="p14">
+  <mc:AlternateContent xmlns:mc="http://schemas.openxmlformats.org/markup-compatibility/2006" xmlns:p14="http://schemas.microsoft.com/office/powerpoint/2010/main">
+    <mc:Choice Requires="p14">
       <p:transition spd="slow" p14:dur="900" advClick="0">
         <p:fade/>
       </p:transition>
     </mc:Choice>
-    <mc:Fallback>
+    <mc:Fallback xmlns="">
       <p:transition xmlns:p14="http://schemas.microsoft.com/office/powerpoint/2010/main" spd="slow" advClick="0">
         <p:fade/>
       </p:transition>
@@ -3891,13 +3891,7 @@
               <a:rPr lang="en-US" sz="1200" dirty="0" smtClean="0">
                 <a:latin typeface="Comic Sans MS" pitchFamily="66" charset="0"/>
               </a:rPr>
-              <a:t>,    April </a:t>
-            </a:r>
-            <a:r>
-              <a:rPr lang="en-US" sz="1200" dirty="0" smtClean="0">
-                <a:latin typeface="Comic Sans MS" pitchFamily="66" charset="0"/>
-              </a:rPr>
-              <a:t>5</a:t>
+              <a:t>,    April 5</a:t>
             </a:r>
             <a:r>
               <a:rPr lang="en-US" sz="1200" baseline="0" dirty="0" smtClean="0">
@@ -3960,13 +3954,13 @@
     <p:sldLayoutId id="2147483682" r:id="rId5"/>
     <p:sldLayoutId id="2147483679" r:id="rId6"/>
   </p:sldLayoutIdLst>
-  <mc:AlternateContent xmlns:mc="http://schemas.openxmlformats.org/markup-compatibility/2006">
-    <mc:Choice xmlns:p14="http://schemas.microsoft.com/office/powerpoint/2010/main" Requires="p14">
+  <mc:AlternateContent xmlns:mc="http://schemas.openxmlformats.org/markup-compatibility/2006" xmlns:p14="http://schemas.microsoft.com/office/powerpoint/2010/main">
+    <mc:Choice Requires="p14">
       <p:transition spd="slow" p14:dur="900" advClick="0">
         <p:fade/>
       </p:transition>
     </mc:Choice>
-    <mc:Fallback>
+    <mc:Fallback xmlns="">
       <p:transition xmlns:p14="http://schemas.microsoft.com/office/powerpoint/2010/main" spd="slow" advClick="0">
         <p:fade/>
       </p:transition>
@@ -4559,11 +4553,11 @@
   <p:clrMapOvr>
     <a:masterClrMapping/>
   </p:clrMapOvr>
-  <mc:AlternateContent xmlns:mc="http://schemas.openxmlformats.org/markup-compatibility/2006">
-    <mc:Choice xmlns:p14="http://schemas.microsoft.com/office/powerpoint/2010/main" Requires="p14">
+  <mc:AlternateContent xmlns:mc="http://schemas.openxmlformats.org/markup-compatibility/2006" xmlns:p14="http://schemas.microsoft.com/office/powerpoint/2010/main">
+    <mc:Choice Requires="p14">
       <p:transition p14:dur="0" advClick="0"/>
     </mc:Choice>
-    <mc:Fallback>
+    <mc:Fallback xmlns="">
       <p:transition xmlns:p14="http://schemas.microsoft.com/office/powerpoint/2010/main" advClick="0"/>
     </mc:Fallback>
   </mc:AlternateContent>
@@ -5896,13 +5890,13 @@
   <p:clrMapOvr>
     <a:masterClrMapping/>
   </p:clrMapOvr>
-  <mc:AlternateContent xmlns:mc="http://schemas.openxmlformats.org/markup-compatibility/2006">
-    <mc:Choice xmlns:p14="http://schemas.microsoft.com/office/powerpoint/2010/main" Requires="p14">
+  <mc:AlternateContent xmlns:mc="http://schemas.openxmlformats.org/markup-compatibility/2006" xmlns:p14="http://schemas.microsoft.com/office/powerpoint/2010/main">
+    <mc:Choice Requires="p14">
       <p:transition spd="slow" p14:dur="900" advClick="0">
         <p:fade/>
       </p:transition>
     </mc:Choice>
-    <mc:Fallback>
+    <mc:Fallback xmlns="">
       <p:transition xmlns:p14="http://schemas.microsoft.com/office/powerpoint/2010/main" spd="slow" advClick="0">
         <p:fade/>
       </p:transition>
@@ -6318,11 +6312,7 @@
           <a:p>
             <a:r>
               <a:rPr lang="en-US" dirty="0" smtClean="0"/>
-              <a:t>Conflicting </a:t>
-            </a:r>
-            <a:r>
-              <a:rPr lang="en-US" dirty="0" smtClean="0"/>
-              <a:t>Allocation Problems</a:t>
+              <a:t>Conflicting Allocation Problems</a:t>
             </a:r>
           </a:p>
         </p:txBody>
@@ -6480,13 +6470,13 @@
   <p:clrMapOvr>
     <a:masterClrMapping/>
   </p:clrMapOvr>
-  <mc:AlternateContent xmlns:mc="http://schemas.openxmlformats.org/markup-compatibility/2006">
-    <mc:Choice xmlns:p14="http://schemas.microsoft.com/office/powerpoint/2010/main" Requires="p14">
+  <mc:AlternateContent xmlns:mc="http://schemas.openxmlformats.org/markup-compatibility/2006" xmlns:p14="http://schemas.microsoft.com/office/powerpoint/2010/main">
+    <mc:Choice Requires="p14">
       <p:transition spd="slow" p14:dur="900" advClick="0">
         <p:fade/>
       </p:transition>
     </mc:Choice>
-    <mc:Fallback>
+    <mc:Fallback xmlns="">
       <p:transition xmlns:p14="http://schemas.microsoft.com/office/powerpoint/2010/main" spd="slow" advClick="0">
         <p:fade/>
       </p:transition>
@@ -7893,13 +7883,13 @@
   <p:clrMapOvr>
     <a:masterClrMapping/>
   </p:clrMapOvr>
-  <mc:AlternateContent xmlns:mc="http://schemas.openxmlformats.org/markup-compatibility/2006">
-    <mc:Choice xmlns:p14="http://schemas.microsoft.com/office/powerpoint/2010/main" Requires="p14">
+  <mc:AlternateContent xmlns:mc="http://schemas.openxmlformats.org/markup-compatibility/2006" xmlns:p14="http://schemas.microsoft.com/office/powerpoint/2010/main">
+    <mc:Choice Requires="p14">
       <p:transition spd="slow" p14:dur="900" advClick="0">
         <p:fade/>
       </p:transition>
     </mc:Choice>
-    <mc:Fallback>
+    <mc:Fallback xmlns="">
       <p:transition xmlns:p14="http://schemas.microsoft.com/office/powerpoint/2010/main" spd="slow" advClick="0">
         <p:fade/>
       </p:transition>
@@ -7926,7 +7916,7 @@
                             </p:stCondLst>
                             <p:childTnLst>
                               <p:par>
-                                <p:cTn id="5" presetID="1" presetClass="entr" presetSubtype="0" fill="hold" grpId="0" nodeType="clickEffect">
+                                <p:cTn id="5" presetID="10" presetClass="entr" presetSubtype="0" fill="hold" grpId="0" nodeType="clickEffect">
                                   <p:stCondLst>
                                     <p:cond delay="0"/>
                                   </p:stCondLst>
@@ -7949,36 +7939,26 @@
                                         <p:strVal val="visible"/>
                                       </p:to>
                                     </p:set>
+                                    <p:animEffect transition="in" filter="fade">
+                                      <p:cBhvr>
+                                        <p:cTn id="7" dur="1000"/>
+                                        <p:tgtEl>
+                                          <p:spTgt spid="187406"/>
+                                        </p:tgtEl>
+                                      </p:cBhvr>
+                                    </p:animEffect>
                                   </p:childTnLst>
                                 </p:cTn>
                               </p:par>
-                            </p:childTnLst>
-                          </p:cTn>
-                        </p:par>
-                      </p:childTnLst>
-                    </p:cTn>
-                  </p:par>
-                  <p:par>
-                    <p:cTn id="7" fill="hold">
-                      <p:stCondLst>
-                        <p:cond delay="indefinite"/>
-                      </p:stCondLst>
-                      <p:childTnLst>
-                        <p:par>
-                          <p:cTn id="8" fill="hold">
-                            <p:stCondLst>
-                              <p:cond delay="0"/>
-                            </p:stCondLst>
-                            <p:childTnLst>
                               <p:par>
-                                <p:cTn id="9" presetID="1" presetClass="entr" presetSubtype="0" fill="hold" grpId="0" nodeType="clickEffect">
+                                <p:cTn id="8" presetID="10" presetClass="entr" presetSubtype="0" fill="hold" grpId="0" nodeType="withEffect">
                                   <p:stCondLst>
                                     <p:cond delay="0"/>
                                   </p:stCondLst>
                                   <p:childTnLst>
                                     <p:set>
                                       <p:cBhvr>
-                                        <p:cTn id="10" dur="1" fill="hold">
+                                        <p:cTn id="9" dur="1" fill="hold">
                                           <p:stCondLst>
                                             <p:cond delay="0"/>
                                           </p:stCondLst>
@@ -7994,36 +7974,26 @@
                                         <p:strVal val="visible"/>
                                       </p:to>
                                     </p:set>
+                                    <p:animEffect transition="in" filter="fade">
+                                      <p:cBhvr>
+                                        <p:cTn id="10" dur="1000"/>
+                                        <p:tgtEl>
+                                          <p:spTgt spid="187407"/>
+                                        </p:tgtEl>
+                                      </p:cBhvr>
+                                    </p:animEffect>
                                   </p:childTnLst>
                                 </p:cTn>
                               </p:par>
-                            </p:childTnLst>
-                          </p:cTn>
-                        </p:par>
-                      </p:childTnLst>
-                    </p:cTn>
-                  </p:par>
-                  <p:par>
-                    <p:cTn id="11" fill="hold">
-                      <p:stCondLst>
-                        <p:cond delay="indefinite"/>
-                      </p:stCondLst>
-                      <p:childTnLst>
-                        <p:par>
-                          <p:cTn id="12" fill="hold">
-                            <p:stCondLst>
-                              <p:cond delay="0"/>
-                            </p:stCondLst>
-                            <p:childTnLst>
                               <p:par>
-                                <p:cTn id="13" presetID="1" presetClass="entr" presetSubtype="0" fill="hold" grpId="0" nodeType="clickEffect">
+                                <p:cTn id="11" presetID="10" presetClass="entr" presetSubtype="0" fill="hold" grpId="0" nodeType="withEffect">
                                   <p:stCondLst>
                                     <p:cond delay="0"/>
                                   </p:stCondLst>
                                   <p:childTnLst>
                                     <p:set>
                                       <p:cBhvr>
-                                        <p:cTn id="14" dur="1" fill="hold">
+                                        <p:cTn id="12" dur="1" fill="hold">
                                           <p:stCondLst>
                                             <p:cond delay="0"/>
                                           </p:stCondLst>
@@ -8039,11 +8009,28 @@
                                         <p:strVal val="visible"/>
                                       </p:to>
                                     </p:set>
+                                    <p:animEffect transition="in" filter="fade">
+                                      <p:cBhvr>
+                                        <p:cTn id="13" dur="1000"/>
+                                        <p:tgtEl>
+                                          <p:spTgt spid="187409"/>
+                                        </p:tgtEl>
+                                      </p:cBhvr>
+                                    </p:animEffect>
                                   </p:childTnLst>
                                 </p:cTn>
                               </p:par>
+                            </p:childTnLst>
+                          </p:cTn>
+                        </p:par>
+                        <p:par>
+                          <p:cTn id="14" fill="hold">
+                            <p:stCondLst>
+                              <p:cond delay="1000"/>
+                            </p:stCondLst>
+                            <p:childTnLst>
                               <p:par>
-                                <p:cTn id="15" presetID="1" presetClass="entr" presetSubtype="0" fill="hold" grpId="0" nodeType="withEffect">
+                                <p:cTn id="15" presetID="10" presetClass="entr" presetSubtype="0" fill="hold" grpId="0" nodeType="afterEffect">
                                   <p:stCondLst>
                                     <p:cond delay="0"/>
                                   </p:stCondLst>
@@ -8066,18 +8053,26 @@
                                         <p:strVal val="visible"/>
                                       </p:to>
                                     </p:set>
+                                    <p:animEffect transition="in" filter="fade">
+                                      <p:cBhvr>
+                                        <p:cTn id="17" dur="500"/>
+                                        <p:tgtEl>
+                                          <p:spTgt spid="187410"/>
+                                        </p:tgtEl>
+                                      </p:cBhvr>
+                                    </p:animEffect>
                                   </p:childTnLst>
                                 </p:cTn>
                               </p:par>
                               <p:par>
-                                <p:cTn id="17" presetID="1" presetClass="entr" presetSubtype="0" fill="hold" grpId="0" nodeType="withEffect">
+                                <p:cTn id="18" presetID="10" presetClass="entr" presetSubtype="0" fill="hold" grpId="0" nodeType="withEffect">
                                   <p:stCondLst>
                                     <p:cond delay="0"/>
                                   </p:stCondLst>
                                   <p:childTnLst>
                                     <p:set>
                                       <p:cBhvr>
-                                        <p:cTn id="18" dur="1" fill="hold">
+                                        <p:cTn id="19" dur="1" fill="hold">
                                           <p:stCondLst>
                                             <p:cond delay="0"/>
                                           </p:stCondLst>
@@ -8093,18 +8088,26 @@
                                         <p:strVal val="visible"/>
                                       </p:to>
                                     </p:set>
+                                    <p:animEffect transition="in" filter="fade">
+                                      <p:cBhvr>
+                                        <p:cTn id="20" dur="500"/>
+                                        <p:tgtEl>
+                                          <p:spTgt spid="187411"/>
+                                        </p:tgtEl>
+                                      </p:cBhvr>
+                                    </p:animEffect>
                                   </p:childTnLst>
                                 </p:cTn>
                               </p:par>
                               <p:par>
-                                <p:cTn id="19" presetID="1" presetClass="entr" presetSubtype="0" fill="hold" grpId="0" nodeType="withEffect">
+                                <p:cTn id="21" presetID="10" presetClass="entr" presetSubtype="0" fill="hold" grpId="0" nodeType="withEffect">
                                   <p:stCondLst>
                                     <p:cond delay="0"/>
                                   </p:stCondLst>
                                   <p:childTnLst>
                                     <p:set>
                                       <p:cBhvr>
-                                        <p:cTn id="20" dur="1" fill="hold">
+                                        <p:cTn id="22" dur="1" fill="hold">
                                           <p:stCondLst>
                                             <p:cond delay="0"/>
                                           </p:stCondLst>
@@ -8120,6 +8123,14 @@
                                         <p:strVal val="visible"/>
                                       </p:to>
                                     </p:set>
+                                    <p:animEffect transition="in" filter="fade">
+                                      <p:cBhvr>
+                                        <p:cTn id="23" dur="500"/>
+                                        <p:tgtEl>
+                                          <p:spTgt spid="187412"/>
+                                        </p:tgtEl>
+                                      </p:cBhvr>
+                                    </p:animEffect>
                                   </p:childTnLst>
                                 </p:cTn>
                               </p:par>
@@ -8130,26 +8141,26 @@
                     </p:cTn>
                   </p:par>
                   <p:par>
-                    <p:cTn id="21" fill="hold">
+                    <p:cTn id="24" fill="hold">
                       <p:stCondLst>
                         <p:cond delay="indefinite"/>
                       </p:stCondLst>
                       <p:childTnLst>
                         <p:par>
-                          <p:cTn id="22" fill="hold">
+                          <p:cTn id="25" fill="hold">
                             <p:stCondLst>
                               <p:cond delay="0"/>
                             </p:stCondLst>
                             <p:childTnLst>
                               <p:par>
-                                <p:cTn id="23" presetID="1" presetClass="entr" presetSubtype="0" fill="hold" grpId="0" nodeType="clickEffect">
+                                <p:cTn id="26" presetID="22" presetClass="entr" presetSubtype="4" fill="hold" grpId="0" nodeType="clickEffect">
                                   <p:stCondLst>
                                     <p:cond delay="0"/>
                                   </p:stCondLst>
                                   <p:childTnLst>
                                     <p:set>
                                       <p:cBhvr>
-                                        <p:cTn id="24" dur="1" fill="hold">
+                                        <p:cTn id="27" dur="1" fill="hold">
                                           <p:stCondLst>
                                             <p:cond delay="0"/>
                                           </p:stCondLst>
@@ -8165,6 +8176,14 @@
                                         <p:strVal val="visible"/>
                                       </p:to>
                                     </p:set>
+                                    <p:animEffect transition="in" filter="wipe(down)">
+                                      <p:cBhvr>
+                                        <p:cTn id="28" dur="500"/>
+                                        <p:tgtEl>
+                                          <p:spTgt spid="187408"/>
+                                        </p:tgtEl>
+                                      </p:cBhvr>
+                                    </p:animEffect>
                                   </p:childTnLst>
                                 </p:cTn>
                               </p:par>
@@ -8175,26 +8194,26 @@
                     </p:cTn>
                   </p:par>
                   <p:par>
-                    <p:cTn id="25" fill="hold">
+                    <p:cTn id="29" fill="hold">
                       <p:stCondLst>
                         <p:cond delay="indefinite"/>
                       </p:stCondLst>
                       <p:childTnLst>
                         <p:par>
-                          <p:cTn id="26" fill="hold">
+                          <p:cTn id="30" fill="hold">
                             <p:stCondLst>
                               <p:cond delay="0"/>
                             </p:stCondLst>
                             <p:childTnLst>
                               <p:par>
-                                <p:cTn id="27" presetID="9" presetClass="entr" presetSubtype="0" fill="hold" grpId="0" nodeType="clickEffect">
+                                <p:cTn id="31" presetID="22" presetClass="entr" presetSubtype="8" fill="hold" grpId="0" nodeType="clickEffect">
                                   <p:stCondLst>
                                     <p:cond delay="0"/>
                                   </p:stCondLst>
                                   <p:childTnLst>
                                     <p:set>
                                       <p:cBhvr>
-                                        <p:cTn id="28" dur="1" fill="hold">
+                                        <p:cTn id="32" dur="1" fill="hold">
                                           <p:stCondLst>
                                             <p:cond delay="0"/>
                                           </p:stCondLst>
@@ -8210,9 +8229,9 @@
                                         <p:strVal val="visible"/>
                                       </p:to>
                                     </p:set>
-                                    <p:animEffect transition="in" filter="dissolve">
+                                    <p:animEffect transition="in" filter="wipe(left)">
                                       <p:cBhvr>
-                                        <p:cTn id="29" dur="500"/>
+                                        <p:cTn id="33" dur="500"/>
                                         <p:tgtEl>
                                           <p:spTgt spid="34835"/>
                                         </p:tgtEl>
@@ -8228,26 +8247,26 @@
                     </p:cTn>
                   </p:par>
                   <p:par>
-                    <p:cTn id="30" fill="hold">
+                    <p:cTn id="34" fill="hold">
                       <p:stCondLst>
                         <p:cond delay="indefinite"/>
                       </p:stCondLst>
                       <p:childTnLst>
                         <p:par>
-                          <p:cTn id="31" fill="hold">
+                          <p:cTn id="35" fill="hold">
                             <p:stCondLst>
                               <p:cond delay="0"/>
                             </p:stCondLst>
                             <p:childTnLst>
                               <p:par>
-                                <p:cTn id="32" presetID="9" presetClass="entr" presetSubtype="0" fill="hold" nodeType="clickEffect">
+                                <p:cTn id="36" presetID="10" presetClass="entr" presetSubtype="0" fill="hold" nodeType="clickEffect">
                                   <p:stCondLst>
                                     <p:cond delay="0"/>
                                   </p:stCondLst>
                                   <p:childTnLst>
                                     <p:set>
                                       <p:cBhvr>
-                                        <p:cTn id="33" dur="1" fill="hold">
+                                        <p:cTn id="37" dur="1" fill="hold">
                                           <p:stCondLst>
                                             <p:cond delay="0"/>
                                           </p:stCondLst>
@@ -8263,9 +8282,9 @@
                                         <p:strVal val="visible"/>
                                       </p:to>
                                     </p:set>
-                                    <p:animEffect transition="in" filter="dissolve">
+                                    <p:animEffect transition="in" filter="fade">
                                       <p:cBhvr>
-                                        <p:cTn id="34" dur="500"/>
+                                        <p:cTn id="38" dur="500"/>
                                         <p:tgtEl>
                                           <p:spTgt spid="4"/>
                                         </p:tgtEl>
@@ -8506,13 +8525,13 @@
   <p:clrMapOvr>
     <a:masterClrMapping/>
   </p:clrMapOvr>
-  <mc:AlternateContent xmlns:mc="http://schemas.openxmlformats.org/markup-compatibility/2006">
-    <mc:Choice xmlns:p14="http://schemas.microsoft.com/office/powerpoint/2010/main" Requires="p14">
+  <mc:AlternateContent xmlns:mc="http://schemas.openxmlformats.org/markup-compatibility/2006" xmlns:p14="http://schemas.microsoft.com/office/powerpoint/2010/main">
+    <mc:Choice Requires="p14">
       <p:transition spd="slow" p14:dur="900" advClick="0">
         <p:fade/>
       </p:transition>
     </mc:Choice>
-    <mc:Fallback>
+    <mc:Fallback xmlns="">
       <p:transition xmlns:p14="http://schemas.microsoft.com/office/powerpoint/2010/main" spd="slow" advClick="0">
         <p:fade/>
       </p:transition>
@@ -13451,13 +13470,13 @@
   <p:clrMapOvr>
     <a:masterClrMapping/>
   </p:clrMapOvr>
-  <mc:AlternateContent xmlns:mc="http://schemas.openxmlformats.org/markup-compatibility/2006">
-    <mc:Choice xmlns:p14="http://schemas.microsoft.com/office/powerpoint/2010/main" Requires="p14">
+  <mc:AlternateContent xmlns:mc="http://schemas.openxmlformats.org/markup-compatibility/2006" xmlns:p14="http://schemas.microsoft.com/office/powerpoint/2010/main">
+    <mc:Choice Requires="p14">
       <p:transition spd="slow" p14:dur="900" advClick="0">
         <p:fade/>
       </p:transition>
     </mc:Choice>
-    <mc:Fallback>
+    <mc:Fallback xmlns="">
       <p:transition xmlns:p14="http://schemas.microsoft.com/office/powerpoint/2010/main" spd="slow" advClick="0">
         <p:fade/>
       </p:transition>
@@ -14974,13 +14993,13 @@
   <p:clrMapOvr>
     <a:masterClrMapping/>
   </p:clrMapOvr>
-  <mc:AlternateContent xmlns:mc="http://schemas.openxmlformats.org/markup-compatibility/2006">
-    <mc:Choice xmlns:p14="http://schemas.microsoft.com/office/powerpoint/2010/main" Requires="p14">
+  <mc:AlternateContent xmlns:mc="http://schemas.openxmlformats.org/markup-compatibility/2006" xmlns:p14="http://schemas.microsoft.com/office/powerpoint/2010/main">
+    <mc:Choice Requires="p14">
       <p:transition spd="slow" p14:dur="900" advClick="0">
         <p:fade/>
       </p:transition>
     </mc:Choice>
-    <mc:Fallback>
+    <mc:Fallback xmlns="">
       <p:transition xmlns:p14="http://schemas.microsoft.com/office/powerpoint/2010/main" spd="slow" advClick="0">
         <p:fade/>
       </p:transition>
@@ -16706,13 +16725,13 @@
   <p:clrMapOvr>
     <a:masterClrMapping/>
   </p:clrMapOvr>
-  <mc:AlternateContent xmlns:mc="http://schemas.openxmlformats.org/markup-compatibility/2006">
-    <mc:Choice xmlns:p14="http://schemas.microsoft.com/office/powerpoint/2010/main" Requires="p14">
+  <mc:AlternateContent xmlns:mc="http://schemas.openxmlformats.org/markup-compatibility/2006" xmlns:p14="http://schemas.microsoft.com/office/powerpoint/2010/main">
+    <mc:Choice Requires="p14">
       <p:transition spd="slow" p14:dur="900" advClick="0">
         <p:fade/>
       </p:transition>
     </mc:Choice>
-    <mc:Fallback>
+    <mc:Fallback xmlns="">
       <p:transition xmlns:p14="http://schemas.microsoft.com/office/powerpoint/2010/main" spd="slow" advClick="0">
         <p:fade/>
       </p:transition>
@@ -17052,7 +17071,7 @@
           <a:graphicData uri="http://schemas.openxmlformats.org/presentationml/2006/ole">
             <mc:AlternateContent xmlns:mc="http://schemas.openxmlformats.org/markup-compatibility/2006">
               <mc:Choice xmlns:v="urn:schemas-microsoft-com:vml" Requires="v">
-                <p:oleObj spid="_x0000_s81955" name="Equation" r:id="rId4" imgW="914400" imgH="198720" progId="Equation.DSMT4">
+                <p:oleObj spid="_x0000_s81958" name="Equation" r:id="rId4" imgW="914400" imgH="198720" progId="Equation.DSMT4">
                   <p:embed/>
                 </p:oleObj>
               </mc:Choice>
@@ -17325,18 +17344,9 @@
   <p:clrMapOvr>
     <a:masterClrMapping/>
   </p:clrMapOvr>
-  <mc:AlternateContent xmlns:mc="http://schemas.openxmlformats.org/markup-compatibility/2006">
-    <mc:Choice xmlns:p14="http://schemas.microsoft.com/office/powerpoint/2010/main" Requires="p14">
-      <p:transition spd="slow" p14:dur="900" advClick="0">
-        <p:fade/>
-      </p:transition>
-    </mc:Choice>
-    <mc:Fallback>
-      <p:transition xmlns:p14="http://schemas.microsoft.com/office/powerpoint/2010/main" spd="slow" advClick="0">
-        <p:fade/>
-      </p:transition>
-    </mc:Fallback>
-  </mc:AlternateContent>
+  <p:transition xmlns:p14="http://schemas.microsoft.com/office/powerpoint/2010/main" spd="slow" advClick="0">
+    <p:fade thruBlk="1"/>
+  </p:transition>
   <p:timing>
     <p:tnLst>
       <p:par>
@@ -17358,7 +17368,7 @@
                             </p:stCondLst>
                             <p:childTnLst>
                               <p:par>
-                                <p:cTn id="5" presetID="1" presetClass="entr" presetSubtype="0" fill="hold" grpId="0" nodeType="clickEffect">
+                                <p:cTn id="5" presetID="10" presetClass="entr" presetSubtype="0" fill="hold" grpId="0" nodeType="clickEffect">
                                   <p:stCondLst>
                                     <p:cond delay="0"/>
                                   </p:stCondLst>
@@ -17381,6 +17391,14 @@
                                         <p:strVal val="visible"/>
                                       </p:to>
                                     </p:set>
+                                    <p:animEffect transition="in" filter="fade">
+                                      <p:cBhvr>
+                                        <p:cTn id="7" dur="500"/>
+                                        <p:tgtEl>
+                                          <p:spTgt spid="201734"/>
+                                        </p:tgtEl>
+                                      </p:cBhvr>
+                                    </p:animEffect>
                                   </p:childTnLst>
                                 </p:cTn>
                               </p:par>
@@ -17723,13 +17741,13 @@
   <p:clrMapOvr>
     <a:masterClrMapping/>
   </p:clrMapOvr>
-  <mc:AlternateContent xmlns:mc="http://schemas.openxmlformats.org/markup-compatibility/2006">
-    <mc:Choice xmlns:p14="http://schemas.microsoft.com/office/powerpoint/2010/main" Requires="p14">
+  <mc:AlternateContent xmlns:mc="http://schemas.openxmlformats.org/markup-compatibility/2006" xmlns:p14="http://schemas.microsoft.com/office/powerpoint/2010/main">
+    <mc:Choice Requires="p14">
       <p:transition spd="slow" p14:dur="900" advClick="0">
         <p:fade/>
       </p:transition>
     </mc:Choice>
-    <mc:Fallback>
+    <mc:Fallback xmlns="">
       <p:transition xmlns:p14="http://schemas.microsoft.com/office/powerpoint/2010/main" spd="slow" advClick="0">
         <p:fade/>
       </p:transition>
@@ -21001,13 +21019,13 @@
   <p:clrMapOvr>
     <a:masterClrMapping/>
   </p:clrMapOvr>
-  <mc:AlternateContent xmlns:mc="http://schemas.openxmlformats.org/markup-compatibility/2006">
-    <mc:Choice xmlns:p14="http://schemas.microsoft.com/office/powerpoint/2010/main" Requires="p14">
+  <mc:AlternateContent xmlns:mc="http://schemas.openxmlformats.org/markup-compatibility/2006" xmlns:p14="http://schemas.microsoft.com/office/powerpoint/2010/main">
+    <mc:Choice Requires="p14">
       <p:transition spd="slow" p14:dur="900" advClick="0">
         <p:fade/>
       </p:transition>
     </mc:Choice>
-    <mc:Fallback>
+    <mc:Fallback xmlns="">
       <p:transition xmlns:p14="http://schemas.microsoft.com/office/powerpoint/2010/main" spd="slow" advClick="0">
         <p:fade/>
       </p:transition>
@@ -22254,13 +22272,13 @@
   <p:clrMapOvr>
     <a:masterClrMapping/>
   </p:clrMapOvr>
-  <mc:AlternateContent xmlns:mc="http://schemas.openxmlformats.org/markup-compatibility/2006">
-    <mc:Choice xmlns:p14="http://schemas.microsoft.com/office/powerpoint/2010/main" Requires="p14">
+  <mc:AlternateContent xmlns:mc="http://schemas.openxmlformats.org/markup-compatibility/2006" xmlns:p14="http://schemas.microsoft.com/office/powerpoint/2010/main">
+    <mc:Choice Requires="p14">
       <p:transition spd="slow" p14:dur="900" advClick="0">
         <p:fade/>
       </p:transition>
     </mc:Choice>
-    <mc:Fallback>
+    <mc:Fallback xmlns="">
       <p:transition xmlns:p14="http://schemas.microsoft.com/office/powerpoint/2010/main" spd="slow" advClick="0">
         <p:fade/>
       </p:transition>
@@ -23067,13 +23085,13 @@
   <p:clrMapOvr>
     <a:masterClrMapping/>
   </p:clrMapOvr>
-  <mc:AlternateContent xmlns:mc="http://schemas.openxmlformats.org/markup-compatibility/2006">
-    <mc:Choice xmlns:p14="http://schemas.microsoft.com/office/powerpoint/2010/main" Requires="p14">
+  <mc:AlternateContent xmlns:mc="http://schemas.openxmlformats.org/markup-compatibility/2006" xmlns:p14="http://schemas.microsoft.com/office/powerpoint/2010/main">
+    <mc:Choice Requires="p14">
       <p:transition spd="slow" p14:dur="900" advClick="0">
         <p:fade/>
       </p:transition>
     </mc:Choice>
-    <mc:Fallback>
+    <mc:Fallback xmlns="">
       <p:transition xmlns:p14="http://schemas.microsoft.com/office/powerpoint/2010/main" spd="slow" advClick="0">
         <p:fade/>
       </p:transition>
@@ -23100,7 +23118,7 @@
                             </p:stCondLst>
                             <p:childTnLst>
                               <p:par>
-                                <p:cTn id="5" presetID="1" presetClass="entr" presetSubtype="0" fill="hold" nodeType="clickEffect">
+                                <p:cTn id="5" presetID="10" presetClass="entr" presetSubtype="0" fill="hold" nodeType="clickEffect">
                                   <p:stCondLst>
                                     <p:cond delay="0"/>
                                   </p:stCondLst>
@@ -23123,6 +23141,14 @@
                                         <p:strVal val="visible"/>
                                       </p:to>
                                     </p:set>
+                                    <p:animEffect transition="in" filter="fade">
+                                      <p:cBhvr>
+                                        <p:cTn id="7" dur="500"/>
+                                        <p:tgtEl>
+                                          <p:spTgt spid="168969"/>
+                                        </p:tgtEl>
+                                      </p:cBhvr>
+                                    </p:animEffect>
                                   </p:childTnLst>
                                 </p:cTn>
                               </p:par>
@@ -23133,26 +23159,26 @@
                     </p:cTn>
                   </p:par>
                   <p:par>
-                    <p:cTn id="7" fill="hold">
+                    <p:cTn id="8" fill="hold">
                       <p:stCondLst>
                         <p:cond delay="indefinite"/>
                       </p:stCondLst>
                       <p:childTnLst>
                         <p:par>
-                          <p:cTn id="8" fill="hold">
+                          <p:cTn id="9" fill="hold">
                             <p:stCondLst>
                               <p:cond delay="0"/>
                             </p:stCondLst>
                             <p:childTnLst>
                               <p:par>
-                                <p:cTn id="9" presetID="22" presetClass="entr" presetSubtype="8" fill="hold" nodeType="clickEffect">
+                                <p:cTn id="10" presetID="22" presetClass="entr" presetSubtype="8" fill="hold" nodeType="clickEffect">
                                   <p:stCondLst>
                                     <p:cond delay="0"/>
                                   </p:stCondLst>
                                   <p:childTnLst>
                                     <p:set>
                                       <p:cBhvr>
-                                        <p:cTn id="10" dur="1" fill="hold">
+                                        <p:cTn id="11" dur="1" fill="hold">
                                           <p:stCondLst>
                                             <p:cond delay="0"/>
                                           </p:stCondLst>
@@ -23170,7 +23196,7 @@
                                     </p:set>
                                     <p:animEffect transition="in" filter="wipe(left)">
                                       <p:cBhvr>
-                                        <p:cTn id="11" dur="500"/>
+                                        <p:cTn id="12" dur="500"/>
                                         <p:tgtEl>
                                           <p:spTgt spid="2"/>
                                         </p:tgtEl>
@@ -23186,26 +23212,26 @@
                     </p:cTn>
                   </p:par>
                   <p:par>
-                    <p:cTn id="12" fill="hold">
+                    <p:cTn id="13" fill="hold">
                       <p:stCondLst>
                         <p:cond delay="indefinite"/>
                       </p:stCondLst>
                       <p:childTnLst>
                         <p:par>
-                          <p:cTn id="13" fill="hold">
+                          <p:cTn id="14" fill="hold">
                             <p:stCondLst>
                               <p:cond delay="0"/>
                             </p:stCondLst>
                             <p:childTnLst>
                               <p:par>
-                                <p:cTn id="14" presetID="9" presetClass="entr" presetSubtype="0" fill="hold" nodeType="clickEffect">
+                                <p:cTn id="15" presetID="10" presetClass="entr" presetSubtype="0" fill="hold" nodeType="clickEffect">
                                   <p:stCondLst>
                                     <p:cond delay="0"/>
                                   </p:stCondLst>
                                   <p:childTnLst>
                                     <p:set>
                                       <p:cBhvr>
-                                        <p:cTn id="15" dur="1" fill="hold">
+                                        <p:cTn id="16" dur="1" fill="hold">
                                           <p:stCondLst>
                                             <p:cond delay="0"/>
                                           </p:stCondLst>
@@ -23221,9 +23247,9 @@
                                         <p:strVal val="visible"/>
                                       </p:to>
                                     </p:set>
-                                    <p:animEffect transition="in" filter="dissolve">
+                                    <p:animEffect transition="in" filter="fade">
                                       <p:cBhvr>
-                                        <p:cTn id="16" dur="500"/>
+                                        <p:cTn id="17" dur="500"/>
                                         <p:tgtEl>
                                           <p:spTgt spid="168973"/>
                                         </p:tgtEl>
@@ -23233,14 +23259,14 @@
                                 </p:cTn>
                               </p:par>
                               <p:par>
-                                <p:cTn id="17" presetID="22" presetClass="entr" presetSubtype="1" fill="hold" grpId="0" nodeType="withEffect">
+                                <p:cTn id="18" presetID="22" presetClass="entr" presetSubtype="1" fill="hold" grpId="0" nodeType="withEffect">
                                   <p:stCondLst>
                                     <p:cond delay="0"/>
                                   </p:stCondLst>
                                   <p:childTnLst>
                                     <p:set>
                                       <p:cBhvr>
-                                        <p:cTn id="18" dur="1" fill="hold">
+                                        <p:cTn id="19" dur="1" fill="hold">
                                           <p:stCondLst>
                                             <p:cond delay="0"/>
                                           </p:stCondLst>
@@ -23258,7 +23284,7 @@
                                     </p:set>
                                     <p:animEffect transition="in" filter="wipe(up)">
                                       <p:cBhvr>
-                                        <p:cTn id="19" dur="500"/>
+                                        <p:cTn id="20" dur="500"/>
                                         <p:tgtEl>
                                           <p:spTgt spid="168974"/>
                                         </p:tgtEl>
@@ -23274,26 +23300,26 @@
                     </p:cTn>
                   </p:par>
                   <p:par>
-                    <p:cTn id="20" fill="hold">
+                    <p:cTn id="21" fill="hold">
                       <p:stCondLst>
                         <p:cond delay="indefinite"/>
                       </p:stCondLst>
                       <p:childTnLst>
                         <p:par>
-                          <p:cTn id="21" fill="hold">
+                          <p:cTn id="22" fill="hold">
                             <p:stCondLst>
                               <p:cond delay="0"/>
                             </p:stCondLst>
                             <p:childTnLst>
                               <p:par>
-                                <p:cTn id="22" presetID="22" presetClass="entr" presetSubtype="1" fill="hold" nodeType="clickEffect">
+                                <p:cTn id="23" presetID="22" presetClass="entr" presetSubtype="1" fill="hold" nodeType="clickEffect">
                                   <p:stCondLst>
                                     <p:cond delay="0"/>
                                   </p:stCondLst>
                                   <p:childTnLst>
                                     <p:set>
                                       <p:cBhvr>
-                                        <p:cTn id="23" dur="1" fill="hold">
+                                        <p:cTn id="24" dur="1" fill="hold">
                                           <p:stCondLst>
                                             <p:cond delay="0"/>
                                           </p:stCondLst>
@@ -23311,7 +23337,7 @@
                                     </p:set>
                                     <p:animEffect transition="in" filter="wipe(up)">
                                       <p:cBhvr>
-                                        <p:cTn id="24" dur="500"/>
+                                        <p:cTn id="25" dur="500"/>
                                         <p:tgtEl>
                                           <p:spTgt spid="3"/>
                                         </p:tgtEl>
@@ -24161,13 +24187,13 @@
   <p:clrMapOvr>
     <a:masterClrMapping/>
   </p:clrMapOvr>
-  <mc:AlternateContent xmlns:mc="http://schemas.openxmlformats.org/markup-compatibility/2006">
-    <mc:Choice xmlns:p14="http://schemas.microsoft.com/office/powerpoint/2010/main" Requires="p14">
+  <mc:AlternateContent xmlns:mc="http://schemas.openxmlformats.org/markup-compatibility/2006" xmlns:p14="http://schemas.microsoft.com/office/powerpoint/2010/main">
+    <mc:Choice Requires="p14">
       <p:transition spd="slow" p14:dur="900" advClick="0">
         <p:fade/>
       </p:transition>
     </mc:Choice>
-    <mc:Fallback>
+    <mc:Fallback xmlns="">
       <p:transition xmlns:p14="http://schemas.microsoft.com/office/powerpoint/2010/main" spd="slow" advClick="0">
         <p:fade/>
       </p:transition>
@@ -24433,13 +24459,13 @@
   <p:clrMapOvr>
     <a:masterClrMapping/>
   </p:clrMapOvr>
-  <mc:AlternateContent xmlns:mc="http://schemas.openxmlformats.org/markup-compatibility/2006">
-    <mc:Choice xmlns:p14="http://schemas.microsoft.com/office/powerpoint/2010/main" Requires="p14">
+  <mc:AlternateContent xmlns:mc="http://schemas.openxmlformats.org/markup-compatibility/2006" xmlns:p14="http://schemas.microsoft.com/office/powerpoint/2010/main">
+    <mc:Choice Requires="p14">
       <p:transition spd="slow" p14:dur="900" advClick="0">
         <p:fade/>
       </p:transition>
     </mc:Choice>
-    <mc:Fallback>
+    <mc:Fallback xmlns="">
       <p:transition xmlns:p14="http://schemas.microsoft.com/office/powerpoint/2010/main" spd="slow" advClick="0">
         <p:fade/>
       </p:transition>
@@ -25973,13 +25999,13 @@
   <p:clrMapOvr>
     <a:masterClrMapping/>
   </p:clrMapOvr>
-  <mc:AlternateContent xmlns:mc="http://schemas.openxmlformats.org/markup-compatibility/2006">
-    <mc:Choice xmlns:p14="http://schemas.microsoft.com/office/powerpoint/2010/main" Requires="p14">
+  <mc:AlternateContent xmlns:mc="http://schemas.openxmlformats.org/markup-compatibility/2006" xmlns:p14="http://schemas.microsoft.com/office/powerpoint/2010/main">
+    <mc:Choice Requires="p14">
       <p:transition spd="slow" p14:dur="900" advClick="0">
         <p:fade/>
       </p:transition>
     </mc:Choice>
-    <mc:Fallback>
+    <mc:Fallback xmlns="">
       <p:transition xmlns:p14="http://schemas.microsoft.com/office/powerpoint/2010/main" spd="slow" advClick="0">
         <p:fade/>
       </p:transition>
@@ -27584,13 +27610,13 @@
   <p:clrMapOvr>
     <a:masterClrMapping/>
   </p:clrMapOvr>
-  <mc:AlternateContent xmlns:mc="http://schemas.openxmlformats.org/markup-compatibility/2006">
-    <mc:Choice xmlns:p14="http://schemas.microsoft.com/office/powerpoint/2010/main" Requires="p14">
+  <mc:AlternateContent xmlns:mc="http://schemas.openxmlformats.org/markup-compatibility/2006" xmlns:p14="http://schemas.microsoft.com/office/powerpoint/2010/main">
+    <mc:Choice Requires="p14">
       <p:transition spd="slow" p14:dur="900" advClick="0">
         <p:fade/>
       </p:transition>
     </mc:Choice>
-    <mc:Fallback>
+    <mc:Fallback xmlns="">
       <p:transition xmlns:p14="http://schemas.microsoft.com/office/powerpoint/2010/main" spd="slow" advClick="0">
         <p:fade/>
       </p:transition>
